--- a/Reports & PPT/MAKE MY TRIP - Hackethon ppt.pptx
+++ b/Reports & PPT/MAKE MY TRIP - Hackethon ppt.pptx
@@ -10,12 +10,13 @@
     <p:sldId id="258" r:id="rId4"/>
     <p:sldId id="264" r:id="rId5"/>
     <p:sldId id="266" r:id="rId6"/>
-    <p:sldId id="267" r:id="rId7"/>
-    <p:sldId id="268" r:id="rId8"/>
-    <p:sldId id="261" r:id="rId9"/>
-    <p:sldId id="269" r:id="rId10"/>
-    <p:sldId id="262" r:id="rId11"/>
-    <p:sldId id="263" r:id="rId12"/>
+    <p:sldId id="270" r:id="rId7"/>
+    <p:sldId id="267" r:id="rId8"/>
+    <p:sldId id="268" r:id="rId9"/>
+    <p:sldId id="261" r:id="rId10"/>
+    <p:sldId id="269" r:id="rId11"/>
+    <p:sldId id="262" r:id="rId12"/>
+    <p:sldId id="263" r:id="rId13"/>
   </p:sldIdLst>
   <p:sldSz cx="12192000" cy="6858000"/>
   <p:notesSz cx="6858000" cy="9144000"/>
@@ -308,7 +309,7 @@
           <a:p>
             <a:fld id="{165A6413-BD42-481D-8310-A09A347FD889}" type="datetimeFigureOut">
               <a:rPr lang="en-US" smtClean="0"/>
-              <a:t>6/9/2020</a:t>
+              <a:t>6/25/2020</a:t>
             </a:fld>
             <a:endParaRPr lang="en-US" dirty="0"/>
           </a:p>
@@ -582,7 +583,7 @@
           <a:p>
             <a:fld id="{165A6413-BD42-481D-8310-A09A347FD889}" type="datetimeFigureOut">
               <a:rPr lang="en-US" smtClean="0"/>
-              <a:t>6/9/2020</a:t>
+              <a:t>6/25/2020</a:t>
             </a:fld>
             <a:endParaRPr lang="en-US" dirty="0"/>
           </a:p>
@@ -776,7 +777,7 @@
           <a:p>
             <a:fld id="{165A6413-BD42-481D-8310-A09A347FD889}" type="datetimeFigureOut">
               <a:rPr lang="en-US" smtClean="0"/>
-              <a:t>6/9/2020</a:t>
+              <a:t>6/25/2020</a:t>
             </a:fld>
             <a:endParaRPr lang="en-US" dirty="0"/>
           </a:p>
@@ -1049,7 +1050,7 @@
           <a:p>
             <a:fld id="{165A6413-BD42-481D-8310-A09A347FD889}" type="datetimeFigureOut">
               <a:rPr lang="en-US" smtClean="0"/>
-              <a:t>6/9/2020</a:t>
+              <a:t>6/25/2020</a:t>
             </a:fld>
             <a:endParaRPr lang="en-US" dirty="0"/>
           </a:p>
@@ -1390,7 +1391,7 @@
           <a:p>
             <a:fld id="{165A6413-BD42-481D-8310-A09A347FD889}" type="datetimeFigureOut">
               <a:rPr lang="en-US" smtClean="0"/>
-              <a:t>6/9/2020</a:t>
+              <a:t>6/25/2020</a:t>
             </a:fld>
             <a:endParaRPr lang="en-US" dirty="0"/>
           </a:p>
@@ -2013,7 +2014,7 @@
           <a:p>
             <a:fld id="{165A6413-BD42-481D-8310-A09A347FD889}" type="datetimeFigureOut">
               <a:rPr lang="en-US" smtClean="0"/>
-              <a:t>6/9/2020</a:t>
+              <a:t>6/25/2020</a:t>
             </a:fld>
             <a:endParaRPr lang="en-US" dirty="0"/>
           </a:p>
@@ -2870,7 +2871,7 @@
           <a:p>
             <a:fld id="{165A6413-BD42-481D-8310-A09A347FD889}" type="datetimeFigureOut">
               <a:rPr lang="en-US" smtClean="0"/>
-              <a:t>6/9/2020</a:t>
+              <a:t>6/25/2020</a:t>
             </a:fld>
             <a:endParaRPr lang="en-US" dirty="0"/>
           </a:p>
@@ -3040,7 +3041,7 @@
           <a:p>
             <a:fld id="{165A6413-BD42-481D-8310-A09A347FD889}" type="datetimeFigureOut">
               <a:rPr lang="en-US" smtClean="0"/>
-              <a:t>6/9/2020</a:t>
+              <a:t>6/25/2020</a:t>
             </a:fld>
             <a:endParaRPr lang="en-US" dirty="0"/>
           </a:p>
@@ -3220,7 +3221,7 @@
           <a:p>
             <a:fld id="{165A6413-BD42-481D-8310-A09A347FD889}" type="datetimeFigureOut">
               <a:rPr lang="en-US" smtClean="0"/>
-              <a:t>6/9/2020</a:t>
+              <a:t>6/25/2020</a:t>
             </a:fld>
             <a:endParaRPr lang="en-US" dirty="0"/>
           </a:p>
@@ -3390,7 +3391,7 @@
           <a:p>
             <a:fld id="{165A6413-BD42-481D-8310-A09A347FD889}" type="datetimeFigureOut">
               <a:rPr lang="en-US" smtClean="0"/>
-              <a:t>6/9/2020</a:t>
+              <a:t>6/25/2020</a:t>
             </a:fld>
             <a:endParaRPr lang="en-US" dirty="0"/>
           </a:p>
@@ -3637,7 +3638,7 @@
           <a:p>
             <a:fld id="{165A6413-BD42-481D-8310-A09A347FD889}" type="datetimeFigureOut">
               <a:rPr lang="en-US" smtClean="0"/>
-              <a:t>6/9/2020</a:t>
+              <a:t>6/25/2020</a:t>
             </a:fld>
             <a:endParaRPr lang="en-US" dirty="0"/>
           </a:p>
@@ -3929,7 +3930,7 @@
           <a:p>
             <a:fld id="{165A6413-BD42-481D-8310-A09A347FD889}" type="datetimeFigureOut">
               <a:rPr lang="en-US" smtClean="0"/>
-              <a:t>6/9/2020</a:t>
+              <a:t>6/25/2020</a:t>
             </a:fld>
             <a:endParaRPr lang="en-US" dirty="0"/>
           </a:p>
@@ -4373,7 +4374,7 @@
           <a:p>
             <a:fld id="{165A6413-BD42-481D-8310-A09A347FD889}" type="datetimeFigureOut">
               <a:rPr lang="en-US" smtClean="0"/>
-              <a:t>6/9/2020</a:t>
+              <a:t>6/25/2020</a:t>
             </a:fld>
             <a:endParaRPr lang="en-US" dirty="0"/>
           </a:p>
@@ -4491,7 +4492,7 @@
           <a:p>
             <a:fld id="{165A6413-BD42-481D-8310-A09A347FD889}" type="datetimeFigureOut">
               <a:rPr lang="en-US" smtClean="0"/>
-              <a:t>6/9/2020</a:t>
+              <a:t>6/25/2020</a:t>
             </a:fld>
             <a:endParaRPr lang="en-US" dirty="0"/>
           </a:p>
@@ -4586,7 +4587,7 @@
           <a:p>
             <a:fld id="{165A6413-BD42-481D-8310-A09A347FD889}" type="datetimeFigureOut">
               <a:rPr lang="en-US" smtClean="0"/>
-              <a:t>6/9/2020</a:t>
+              <a:t>6/25/2020</a:t>
             </a:fld>
             <a:endParaRPr lang="en-US" dirty="0"/>
           </a:p>
@@ -4865,7 +4866,7 @@
           <a:p>
             <a:fld id="{165A6413-BD42-481D-8310-A09A347FD889}" type="datetimeFigureOut">
               <a:rPr lang="en-US" smtClean="0"/>
-              <a:t>6/9/2020</a:t>
+              <a:t>6/25/2020</a:t>
             </a:fld>
             <a:endParaRPr lang="en-US" dirty="0"/>
           </a:p>
@@ -5139,7 +5140,7 @@
           <a:p>
             <a:fld id="{165A6413-BD42-481D-8310-A09A347FD889}" type="datetimeFigureOut">
               <a:rPr lang="en-US" smtClean="0"/>
-              <a:t>6/9/2020</a:t>
+              <a:t>6/25/2020</a:t>
             </a:fld>
             <a:endParaRPr lang="en-US" dirty="0"/>
           </a:p>
@@ -5568,7 +5569,7 @@
           <a:p>
             <a:fld id="{165A6413-BD42-481D-8310-A09A347FD889}" type="datetimeFigureOut">
               <a:rPr lang="en-US" smtClean="0"/>
-              <a:t>6/9/2020</a:t>
+              <a:t>6/25/2020</a:t>
             </a:fld>
             <a:endParaRPr lang="en-US" dirty="0"/>
           </a:p>
@@ -6738,6 +6739,406 @@
           <p:cNvPr id="2" name="Title 1">
             <a:extLst>
               <a:ext uri="{FF2B5EF4-FFF2-40B4-BE49-F238E27FC236}">
+                <a16:creationId xmlns:a16="http://schemas.microsoft.com/office/drawing/2014/main" id="{CA1352B8-261C-41F8-942C-C51EEAA17D5F}"/>
+              </a:ext>
+            </a:extLst>
+          </p:cNvPr>
+          <p:cNvSpPr>
+            <a:spLocks noGrp="1"/>
+          </p:cNvSpPr>
+          <p:nvPr>
+            <p:ph type="title"/>
+          </p:nvPr>
+        </p:nvSpPr>
+        <p:spPr>
+          <a:xfrm>
+            <a:off x="603907" y="115094"/>
+            <a:ext cx="9404723" cy="968119"/>
+          </a:xfrm>
+        </p:spPr>
+        <p:txBody>
+          <a:bodyPr/>
+          <a:lstStyle/>
+          <a:p>
+            <a:r>
+              <a:rPr lang="en-US" dirty="0"/>
+              <a:t>Overcoming the Challenges..</a:t>
+            </a:r>
+          </a:p>
+        </p:txBody>
+      </p:sp>
+      <p:graphicFrame>
+        <p:nvGraphicFramePr>
+          <p:cNvPr id="4" name="Table 4">
+            <a:extLst>
+              <a:ext uri="{FF2B5EF4-FFF2-40B4-BE49-F238E27FC236}">
+                <a16:creationId xmlns:a16="http://schemas.microsoft.com/office/drawing/2014/main" id="{B361EF18-BDFD-47DC-AE6D-50808347596C}"/>
+              </a:ext>
+            </a:extLst>
+          </p:cNvPr>
+          <p:cNvGraphicFramePr>
+            <a:graphicFrameLocks noGrp="1"/>
+          </p:cNvGraphicFramePr>
+          <p:nvPr>
+            <p:ph idx="1"/>
+            <p:extLst>
+              <p:ext uri="{D42A27DB-BD31-4B8C-83A1-F6EECF244321}">
+                <p14:modId xmlns:p14="http://schemas.microsoft.com/office/powerpoint/2010/main" val="1610631396"/>
+              </p:ext>
+            </p:extLst>
+          </p:nvPr>
+        </p:nvGraphicFramePr>
+        <p:xfrm>
+          <a:off x="914400" y="1209821"/>
+          <a:ext cx="10255348" cy="5379744"/>
+        </p:xfrm>
+        <a:graphic>
+          <a:graphicData uri="http://schemas.openxmlformats.org/drawingml/2006/table">
+            <a:tbl>
+              <a:tblPr firstRow="1" bandRow="1">
+                <a:tableStyleId>{5C22544A-7EE6-4342-B048-85BDC9FD1C3A}</a:tableStyleId>
+              </a:tblPr>
+              <a:tblGrid>
+                <a:gridCol w="4895557">
+                  <a:extLst>
+                    <a:ext uri="{9D8B030D-6E8A-4147-A177-3AD203B41FA5}">
+                      <a16:colId xmlns:a16="http://schemas.microsoft.com/office/drawing/2014/main" val="129026754"/>
+                    </a:ext>
+                  </a:extLst>
+                </a:gridCol>
+                <a:gridCol w="5359791">
+                  <a:extLst>
+                    <a:ext uri="{9D8B030D-6E8A-4147-A177-3AD203B41FA5}">
+                      <a16:colId xmlns:a16="http://schemas.microsoft.com/office/drawing/2014/main" val="1847451453"/>
+                    </a:ext>
+                  </a:extLst>
+                </a:gridCol>
+              </a:tblGrid>
+              <a:tr h="896624">
+                <a:tc>
+                  <a:txBody>
+                    <a:bodyPr/>
+                    <a:lstStyle/>
+                    <a:p>
+                      <a:pPr algn="ctr"/>
+                      <a:r>
+                        <a:rPr lang="en-US" sz="2400" dirty="0"/>
+                        <a:t>Challenges we faced</a:t>
+                      </a:r>
+                    </a:p>
+                  </a:txBody>
+                  <a:tcPr/>
+                </a:tc>
+                <a:tc>
+                  <a:txBody>
+                    <a:bodyPr/>
+                    <a:lstStyle/>
+                    <a:p>
+                      <a:pPr algn="ctr"/>
+                      <a:r>
+                        <a:rPr lang="en-US" sz="2400" dirty="0"/>
+                        <a:t>How we Overcame it !</a:t>
+                      </a:r>
+                    </a:p>
+                  </a:txBody>
+                  <a:tcPr/>
+                </a:tc>
+                <a:extLst>
+                  <a:ext uri="{0D108BD9-81ED-4DB2-BD59-A6C34878D82A}">
+                    <a16:rowId xmlns:a16="http://schemas.microsoft.com/office/drawing/2014/main" val="3172270574"/>
+                  </a:ext>
+                </a:extLst>
+              </a:tr>
+              <a:tr h="896624">
+                <a:tc>
+                  <a:txBody>
+                    <a:bodyPr/>
+                    <a:lstStyle/>
+                    <a:p>
+                      <a:pPr algn="l"/>
+                      <a:r>
+                        <a:rPr lang="en-US" b="1" dirty="0"/>
+                        <a:t>Element</a:t>
+                      </a:r>
+                      <a:r>
+                        <a:rPr lang="en-US" dirty="0"/>
+                        <a:t> </a:t>
+                      </a:r>
+                      <a:r>
+                        <a:rPr lang="en-US" b="1" dirty="0"/>
+                        <a:t>click intercepted </a:t>
+                      </a:r>
+                      <a:r>
+                        <a:rPr lang="en-US" dirty="0"/>
+                        <a:t>by other elements.</a:t>
+                      </a:r>
+                    </a:p>
+                  </a:txBody>
+                  <a:tcPr/>
+                </a:tc>
+                <a:tc>
+                  <a:txBody>
+                    <a:bodyPr/>
+                    <a:lstStyle/>
+                    <a:p>
+                      <a:pPr algn="l"/>
+                      <a:r>
+                        <a:rPr lang="en-US" dirty="0"/>
+                        <a:t>Using </a:t>
+                      </a:r>
+                      <a:r>
+                        <a:rPr lang="en-US" b="1" dirty="0"/>
+                        <a:t>Java Script Executors</a:t>
+                      </a:r>
+                    </a:p>
+                  </a:txBody>
+                  <a:tcPr/>
+                </a:tc>
+                <a:extLst>
+                  <a:ext uri="{0D108BD9-81ED-4DB2-BD59-A6C34878D82A}">
+                    <a16:rowId xmlns:a16="http://schemas.microsoft.com/office/drawing/2014/main" val="3448528876"/>
+                  </a:ext>
+                </a:extLst>
+              </a:tr>
+              <a:tr h="896624">
+                <a:tc>
+                  <a:txBody>
+                    <a:bodyPr/>
+                    <a:lstStyle/>
+                    <a:p>
+                      <a:pPr algn="l"/>
+                      <a:r>
+                        <a:rPr lang="en-US" dirty="0"/>
+                        <a:t>How to </a:t>
+                      </a:r>
+                      <a:r>
+                        <a:rPr lang="en-US" b="1" dirty="0"/>
+                        <a:t>wait</a:t>
+                      </a:r>
+                      <a:r>
+                        <a:rPr lang="en-US" dirty="0"/>
+                        <a:t> till the elements are accessible without using </a:t>
+                      </a:r>
+                      <a:r>
+                        <a:rPr lang="en-US" dirty="0" err="1"/>
+                        <a:t>Thread.sleep</a:t>
+                      </a:r>
+                      <a:r>
+                        <a:rPr lang="en-US" dirty="0"/>
+                        <a:t>()</a:t>
+                      </a:r>
+                    </a:p>
+                  </a:txBody>
+                  <a:tcPr/>
+                </a:tc>
+                <a:tc>
+                  <a:txBody>
+                    <a:bodyPr/>
+                    <a:lstStyle/>
+                    <a:p>
+                      <a:pPr algn="l"/>
+                      <a:r>
+                        <a:rPr lang="en-US" dirty="0"/>
+                        <a:t>Using </a:t>
+                      </a:r>
+                      <a:r>
+                        <a:rPr lang="en-US" b="1" dirty="0"/>
+                        <a:t>Explicit</a:t>
+                      </a:r>
+                      <a:r>
+                        <a:rPr lang="en-US" dirty="0"/>
+                        <a:t> and </a:t>
+                      </a:r>
+                      <a:r>
+                        <a:rPr lang="en-US" b="1" dirty="0"/>
+                        <a:t>Implicit wait</a:t>
+                      </a:r>
+                      <a:r>
+                        <a:rPr lang="en-US" dirty="0"/>
+                        <a:t> statements</a:t>
+                      </a:r>
+                    </a:p>
+                  </a:txBody>
+                  <a:tcPr/>
+                </a:tc>
+                <a:extLst>
+                  <a:ext uri="{0D108BD9-81ED-4DB2-BD59-A6C34878D82A}">
+                    <a16:rowId xmlns:a16="http://schemas.microsoft.com/office/drawing/2014/main" val="2109254801"/>
+                  </a:ext>
+                </a:extLst>
+              </a:tr>
+              <a:tr h="896624">
+                <a:tc>
+                  <a:txBody>
+                    <a:bodyPr/>
+                    <a:lstStyle/>
+                    <a:p>
+                      <a:pPr algn="l"/>
+                      <a:r>
+                        <a:rPr lang="en-US" dirty="0"/>
+                        <a:t>How to run a </a:t>
+                      </a:r>
+                      <a:r>
+                        <a:rPr lang="en-US" b="1" dirty="0"/>
+                        <a:t>Grid</a:t>
+                      </a:r>
+                      <a:r>
+                        <a:rPr lang="en-US" dirty="0"/>
+                        <a:t> without using another physical pc server</a:t>
+                      </a:r>
+                    </a:p>
+                  </a:txBody>
+                  <a:tcPr/>
+                </a:tc>
+                <a:tc>
+                  <a:txBody>
+                    <a:bodyPr/>
+                    <a:lstStyle/>
+                    <a:p>
+                      <a:pPr algn="l"/>
+                      <a:r>
+                        <a:rPr lang="en-US" dirty="0"/>
+                        <a:t>Using </a:t>
+                      </a:r>
+                      <a:r>
+                        <a:rPr lang="en-US" b="1" dirty="0"/>
+                        <a:t>Batch Files </a:t>
+                      </a:r>
+                      <a:r>
+                        <a:rPr lang="en-US" dirty="0"/>
+                        <a:t>to create </a:t>
+                      </a:r>
+                      <a:r>
+                        <a:rPr lang="en-US" b="1" dirty="0"/>
+                        <a:t>Hub </a:t>
+                      </a:r>
+                      <a:r>
+                        <a:rPr lang="en-US" b="0" dirty="0"/>
+                        <a:t>and</a:t>
+                      </a:r>
+                      <a:r>
+                        <a:rPr lang="en-US" b="1" dirty="0"/>
+                        <a:t> Node</a:t>
+                      </a:r>
+                    </a:p>
+                  </a:txBody>
+                  <a:tcPr/>
+                </a:tc>
+                <a:extLst>
+                  <a:ext uri="{0D108BD9-81ED-4DB2-BD59-A6C34878D82A}">
+                    <a16:rowId xmlns:a16="http://schemas.microsoft.com/office/drawing/2014/main" val="3289322239"/>
+                  </a:ext>
+                </a:extLst>
+              </a:tr>
+              <a:tr h="896624">
+                <a:tc>
+                  <a:txBody>
+                    <a:bodyPr/>
+                    <a:lstStyle/>
+                    <a:p>
+                      <a:pPr algn="l"/>
+                      <a:r>
+                        <a:rPr lang="en-US" dirty="0"/>
+                        <a:t>How to automatically update Test status in test report and defect log</a:t>
+                      </a:r>
+                    </a:p>
+                  </a:txBody>
+                  <a:tcPr/>
+                </a:tc>
+                <a:tc>
+                  <a:txBody>
+                    <a:bodyPr/>
+                    <a:lstStyle/>
+                    <a:p>
+                      <a:pPr algn="l"/>
+                      <a:r>
+                        <a:rPr lang="en-US" dirty="0"/>
+                        <a:t>Using apache-poi and V-look features.</a:t>
+                      </a:r>
+                    </a:p>
+                  </a:txBody>
+                  <a:tcPr/>
+                </a:tc>
+                <a:extLst>
+                  <a:ext uri="{0D108BD9-81ED-4DB2-BD59-A6C34878D82A}">
+                    <a16:rowId xmlns:a16="http://schemas.microsoft.com/office/drawing/2014/main" val="1233356632"/>
+                  </a:ext>
+                </a:extLst>
+              </a:tr>
+              <a:tr h="896624">
+                <a:tc>
+                  <a:txBody>
+                    <a:bodyPr/>
+                    <a:lstStyle/>
+                    <a:p>
+                      <a:pPr algn="l"/>
+                      <a:r>
+                        <a:rPr lang="en-US" dirty="0"/>
+                        <a:t>How to make our project user-friendly</a:t>
+                      </a:r>
+                    </a:p>
+                  </a:txBody>
+                  <a:tcPr/>
+                </a:tc>
+                <a:tc>
+                  <a:txBody>
+                    <a:bodyPr/>
+                    <a:lstStyle/>
+                    <a:p>
+                      <a:pPr algn="l"/>
+                      <a:r>
+                        <a:rPr lang="en-US" dirty="0"/>
+                        <a:t>Use our readme.txt to Execute the test and Extent Report to understand the Test Results.</a:t>
+                      </a:r>
+                    </a:p>
+                  </a:txBody>
+                  <a:tcPr/>
+                </a:tc>
+                <a:extLst>
+                  <a:ext uri="{0D108BD9-81ED-4DB2-BD59-A6C34878D82A}">
+                    <a16:rowId xmlns:a16="http://schemas.microsoft.com/office/drawing/2014/main" val="3156725722"/>
+                  </a:ext>
+                </a:extLst>
+              </a:tr>
+            </a:tbl>
+          </a:graphicData>
+        </a:graphic>
+      </p:graphicFrame>
+    </p:spTree>
+    <p:extLst>
+      <p:ext uri="{BB962C8B-B14F-4D97-AF65-F5344CB8AC3E}">
+        <p14:creationId xmlns:p14="http://schemas.microsoft.com/office/powerpoint/2010/main" val="3008787108"/>
+      </p:ext>
+    </p:extLst>
+  </p:cSld>
+  <p:clrMapOvr>
+    <a:masterClrMapping/>
+  </p:clrMapOvr>
+</p:sld>
+</file>
+
+<file path=ppt/slides/slide11.xml><?xml version="1.0" encoding="utf-8"?>
+<p:sld xmlns:a="http://schemas.openxmlformats.org/drawingml/2006/main" xmlns:r="http://schemas.openxmlformats.org/officeDocument/2006/relationships" xmlns:p="http://schemas.openxmlformats.org/presentationml/2006/main">
+  <p:cSld>
+    <p:spTree>
+      <p:nvGrpSpPr>
+        <p:cNvPr id="1" name=""/>
+        <p:cNvGrpSpPr/>
+        <p:nvPr/>
+      </p:nvGrpSpPr>
+      <p:grpSpPr>
+        <a:xfrm>
+          <a:off x="0" y="0"/>
+          <a:ext cx="0" cy="0"/>
+          <a:chOff x="0" y="0"/>
+          <a:chExt cx="0" cy="0"/>
+        </a:xfrm>
+      </p:grpSpPr>
+      <p:sp>
+        <p:nvSpPr>
+          <p:cNvPr id="2" name="Title 1">
+            <a:extLst>
+              <a:ext uri="{FF2B5EF4-FFF2-40B4-BE49-F238E27FC236}">
                 <a16:creationId xmlns:a16="http://schemas.microsoft.com/office/drawing/2014/main" id="{426EBBBA-65C7-4057-80CB-7CB0E4FD0377}"/>
               </a:ext>
             </a:extLst>
@@ -6828,7 +7229,7 @@
 </p:sld>
 </file>
 
-<file path=ppt/slides/slide11.xml><?xml version="1.0" encoding="utf-8"?>
+<file path=ppt/slides/slide12.xml><?xml version="1.0" encoding="utf-8"?>
 <p:sld xmlns:a="http://schemas.openxmlformats.org/drawingml/2006/main" xmlns:r="http://schemas.openxmlformats.org/officeDocument/2006/relationships" xmlns:p="http://schemas.openxmlformats.org/presentationml/2006/main">
   <p:cSld>
     <p:spTree>
@@ -7096,7 +7497,7 @@
         </p:nvSpPr>
         <p:spPr>
           <a:xfrm>
-            <a:off x="359229" y="1992086"/>
+            <a:off x="405492" y="1992086"/>
             <a:ext cx="11381014" cy="4865914"/>
           </a:xfrm>
         </p:spPr>
@@ -7262,13 +7663,13 @@
           <p:nvPr>
             <p:extLst>
               <p:ext uri="{D42A27DB-BD31-4B8C-83A1-F6EECF244321}">
-                <p14:modId xmlns:p14="http://schemas.microsoft.com/office/powerpoint/2010/main" val="1442739584"/>
+                <p14:modId xmlns:p14="http://schemas.microsoft.com/office/powerpoint/2010/main" val="2467321556"/>
               </p:ext>
             </p:extLst>
           </p:nvPr>
         </p:nvGraphicFramePr>
         <p:xfrm>
-          <a:off x="717453" y="1237957"/>
+          <a:off x="647114" y="1234775"/>
           <a:ext cx="10156877" cy="5400014"/>
         </p:xfrm>
         <a:graphic>
@@ -9575,6 +9976,236 @@
       </p:grpSpPr>
       <p:sp>
         <p:nvSpPr>
+          <p:cNvPr id="15" name="Title 14">
+            <a:extLst>
+              <a:ext uri="{FF2B5EF4-FFF2-40B4-BE49-F238E27FC236}">
+                <a16:creationId xmlns:a16="http://schemas.microsoft.com/office/drawing/2014/main" id="{54814102-584A-4106-B6D4-AA52B7CC4A2A}"/>
+              </a:ext>
+            </a:extLst>
+          </p:cNvPr>
+          <p:cNvSpPr>
+            <a:spLocks noGrp="1"/>
+          </p:cNvSpPr>
+          <p:nvPr>
+            <p:ph type="title"/>
+          </p:nvPr>
+        </p:nvSpPr>
+        <p:spPr>
+          <a:xfrm>
+            <a:off x="646111" y="223110"/>
+            <a:ext cx="9404723" cy="757104"/>
+          </a:xfrm>
+        </p:spPr>
+        <p:txBody>
+          <a:bodyPr/>
+          <a:lstStyle/>
+          <a:p>
+            <a:r>
+              <a:rPr lang="en-US" b="1" dirty="0"/>
+              <a:t>Special Add-ons to our Project…</a:t>
+            </a:r>
+            <a:endParaRPr lang="en-US" dirty="0"/>
+          </a:p>
+        </p:txBody>
+      </p:sp>
+      <p:pic>
+        <p:nvPicPr>
+          <p:cNvPr id="22" name="Content Placeholder 21">
+            <a:extLst>
+              <a:ext uri="{FF2B5EF4-FFF2-40B4-BE49-F238E27FC236}">
+                <a16:creationId xmlns:a16="http://schemas.microsoft.com/office/drawing/2014/main" id="{77087806-AC31-4843-9CAA-9A480A2DBD8E}"/>
+              </a:ext>
+            </a:extLst>
+          </p:cNvPr>
+          <p:cNvPicPr>
+            <a:picLocks noGrp="1" noChangeAspect="1"/>
+          </p:cNvPicPr>
+          <p:nvPr>
+            <p:ph sz="half" idx="1"/>
+          </p:nvPr>
+        </p:nvPicPr>
+        <p:blipFill rotWithShape="1">
+          <a:blip r:embed="rId2">
+            <a:extLst>
+              <a:ext uri="{28A0092B-C50C-407E-A947-70E740481C1C}">
+                <a14:useLocalDpi xmlns:a14="http://schemas.microsoft.com/office/drawing/2010/main" val="0"/>
+              </a:ext>
+            </a:extLst>
+          </a:blip>
+          <a:srcRect l="293" t="8172" r="46595" b="11320"/>
+          <a:stretch/>
+        </p:blipFill>
+        <p:spPr>
+          <a:xfrm>
+            <a:off x="309490" y="1133241"/>
+            <a:ext cx="5275384" cy="4495756"/>
+          </a:xfrm>
+        </p:spPr>
+      </p:pic>
+      <p:pic>
+        <p:nvPicPr>
+          <p:cNvPr id="24" name="Content Placeholder 23">
+            <a:extLst>
+              <a:ext uri="{FF2B5EF4-FFF2-40B4-BE49-F238E27FC236}">
+                <a16:creationId xmlns:a16="http://schemas.microsoft.com/office/drawing/2014/main" id="{EFDECB78-B8D6-4ED9-827B-0D5DD057B210}"/>
+              </a:ext>
+            </a:extLst>
+          </p:cNvPr>
+          <p:cNvPicPr>
+            <a:picLocks noGrp="1" noChangeAspect="1"/>
+          </p:cNvPicPr>
+          <p:nvPr>
+            <p:ph sz="half" idx="2"/>
+          </p:nvPr>
+        </p:nvPicPr>
+        <p:blipFill rotWithShape="1">
+          <a:blip r:embed="rId3">
+            <a:extLst>
+              <a:ext uri="{28A0092B-C50C-407E-A947-70E740481C1C}">
+                <a14:useLocalDpi xmlns:a14="http://schemas.microsoft.com/office/drawing/2010/main" val="0"/>
+              </a:ext>
+            </a:extLst>
+          </a:blip>
+          <a:srcRect l="14741" t="20987" r="19618" b="29991"/>
+          <a:stretch/>
+        </p:blipFill>
+        <p:spPr>
+          <a:xfrm>
+            <a:off x="6096000" y="1935100"/>
+            <a:ext cx="5467644" cy="2295760"/>
+          </a:xfrm>
+        </p:spPr>
+      </p:pic>
+      <p:sp>
+        <p:nvSpPr>
+          <p:cNvPr id="18" name="TextBox 17">
+            <a:extLst>
+              <a:ext uri="{FF2B5EF4-FFF2-40B4-BE49-F238E27FC236}">
+                <a16:creationId xmlns:a16="http://schemas.microsoft.com/office/drawing/2014/main" id="{4E1754DB-DC18-43CB-8CE6-86C774A048EE}"/>
+              </a:ext>
+            </a:extLst>
+          </p:cNvPr>
+          <p:cNvSpPr txBox="1"/>
+          <p:nvPr/>
+        </p:nvSpPr>
+        <p:spPr>
+          <a:xfrm>
+            <a:off x="881242" y="5734803"/>
+            <a:ext cx="4410182" cy="646331"/>
+          </a:xfrm>
+          <a:prstGeom prst="rect">
+            <a:avLst/>
+          </a:prstGeom>
+          <a:noFill/>
+        </p:spPr>
+        <p:txBody>
+          <a:bodyPr wrap="none" rtlCol="0">
+            <a:spAutoFit/>
+          </a:bodyPr>
+          <a:lstStyle/>
+          <a:p>
+            <a:pPr algn="ctr"/>
+            <a:r>
+              <a:rPr lang="en-US" b="1" dirty="0"/>
+              <a:t>Automated Mail </a:t>
+            </a:r>
+            <a:r>
+              <a:rPr lang="en-US" dirty="0"/>
+              <a:t>with attached report</a:t>
+            </a:r>
+          </a:p>
+          <a:p>
+            <a:pPr algn="ctr"/>
+            <a:r>
+              <a:rPr lang="en-US" dirty="0"/>
+              <a:t> after every Jenkins Run</a:t>
+            </a:r>
+          </a:p>
+        </p:txBody>
+      </p:sp>
+      <p:sp>
+        <p:nvSpPr>
+          <p:cNvPr id="20" name="TextBox 19">
+            <a:extLst>
+              <a:ext uri="{FF2B5EF4-FFF2-40B4-BE49-F238E27FC236}">
+                <a16:creationId xmlns:a16="http://schemas.microsoft.com/office/drawing/2014/main" id="{F7079C68-5987-485D-8CA1-FFB842BE9763}"/>
+              </a:ext>
+            </a:extLst>
+          </p:cNvPr>
+          <p:cNvSpPr txBox="1"/>
+          <p:nvPr/>
+        </p:nvSpPr>
+        <p:spPr>
+          <a:xfrm>
+            <a:off x="6798657" y="4862580"/>
+            <a:ext cx="4062331" cy="646331"/>
+          </a:xfrm>
+          <a:prstGeom prst="rect">
+            <a:avLst/>
+          </a:prstGeom>
+          <a:noFill/>
+        </p:spPr>
+        <p:txBody>
+          <a:bodyPr wrap="none" rtlCol="0">
+            <a:spAutoFit/>
+          </a:bodyPr>
+          <a:lstStyle/>
+          <a:p>
+            <a:pPr algn="ctr"/>
+            <a:r>
+              <a:rPr lang="en-US" dirty="0"/>
+              <a:t>Running the code from </a:t>
+            </a:r>
+            <a:r>
+              <a:rPr lang="en-US" b="1" dirty="0" err="1"/>
+              <a:t>Github</a:t>
+            </a:r>
+            <a:r>
+              <a:rPr lang="en-US" b="1" dirty="0"/>
+              <a:t> URL</a:t>
+            </a:r>
+          </a:p>
+          <a:p>
+            <a:pPr algn="ctr"/>
+            <a:r>
+              <a:rPr lang="en-US" dirty="0"/>
+              <a:t>Configured in Jenkins</a:t>
+            </a:r>
+          </a:p>
+        </p:txBody>
+      </p:sp>
+    </p:spTree>
+    <p:extLst>
+      <p:ext uri="{BB962C8B-B14F-4D97-AF65-F5344CB8AC3E}">
+        <p14:creationId xmlns:p14="http://schemas.microsoft.com/office/powerpoint/2010/main" val="3715231106"/>
+      </p:ext>
+    </p:extLst>
+  </p:cSld>
+  <p:clrMapOvr>
+    <a:masterClrMapping/>
+  </p:clrMapOvr>
+</p:sld>
+</file>
+
+<file path=ppt/slides/slide7.xml><?xml version="1.0" encoding="utf-8"?>
+<p:sld xmlns:a="http://schemas.openxmlformats.org/drawingml/2006/main" xmlns:r="http://schemas.openxmlformats.org/officeDocument/2006/relationships" xmlns:p="http://schemas.openxmlformats.org/presentationml/2006/main">
+  <p:cSld>
+    <p:spTree>
+      <p:nvGrpSpPr>
+        <p:cNvPr id="1" name=""/>
+        <p:cNvGrpSpPr/>
+        <p:nvPr/>
+      </p:nvGrpSpPr>
+      <p:grpSpPr>
+        <a:xfrm>
+          <a:off x="0" y="0"/>
+          <a:ext cx="0" cy="0"/>
+          <a:chOff x="0" y="0"/>
+          <a:chExt cx="0" cy="0"/>
+        </a:xfrm>
+      </p:grpSpPr>
+      <p:sp>
+        <p:nvSpPr>
           <p:cNvPr id="27" name="Title 26">
             <a:extLst>
               <a:ext uri="{FF2B5EF4-FFF2-40B4-BE49-F238E27FC236}">
@@ -9789,7 +10420,7 @@
 </p:sld>
 </file>
 
-<file path=ppt/slides/slide7.xml><?xml version="1.0" encoding="utf-8"?>
+<file path=ppt/slides/slide8.xml><?xml version="1.0" encoding="utf-8"?>
 <p:sld xmlns:a="http://schemas.openxmlformats.org/drawingml/2006/main" xmlns:r="http://schemas.openxmlformats.org/officeDocument/2006/relationships" xmlns:p="http://schemas.openxmlformats.org/presentationml/2006/main">
   <p:cSld>
     <p:spTree>
@@ -10032,200 +10663,6 @@
 </p:sld>
 </file>
 
-<file path=ppt/slides/slide8.xml><?xml version="1.0" encoding="utf-8"?>
-<p:sld xmlns:a="http://schemas.openxmlformats.org/drawingml/2006/main" xmlns:r="http://schemas.openxmlformats.org/officeDocument/2006/relationships" xmlns:p="http://schemas.openxmlformats.org/presentationml/2006/main">
-  <p:cSld>
-    <p:spTree>
-      <p:nvGrpSpPr>
-        <p:cNvPr id="1" name=""/>
-        <p:cNvGrpSpPr/>
-        <p:nvPr/>
-      </p:nvGrpSpPr>
-      <p:grpSpPr>
-        <a:xfrm>
-          <a:off x="0" y="0"/>
-          <a:ext cx="0" cy="0"/>
-          <a:chOff x="0" y="0"/>
-          <a:chExt cx="0" cy="0"/>
-        </a:xfrm>
-      </p:grpSpPr>
-      <p:sp>
-        <p:nvSpPr>
-          <p:cNvPr id="2" name="Title 1">
-            <a:extLst>
-              <a:ext uri="{FF2B5EF4-FFF2-40B4-BE49-F238E27FC236}">
-                <a16:creationId xmlns:a16="http://schemas.microsoft.com/office/drawing/2014/main" id="{9F341D09-23E1-4034-BE27-9DE48AB017B8}"/>
-              </a:ext>
-            </a:extLst>
-          </p:cNvPr>
-          <p:cNvSpPr>
-            <a:spLocks noGrp="1"/>
-          </p:cNvSpPr>
-          <p:nvPr>
-            <p:ph type="title"/>
-          </p:nvPr>
-        </p:nvSpPr>
-        <p:spPr>
-          <a:xfrm>
-            <a:off x="677334" y="286043"/>
-            <a:ext cx="8596668" cy="1320800"/>
-          </a:xfrm>
-        </p:spPr>
-        <p:txBody>
-          <a:bodyPr/>
-          <a:lstStyle/>
-          <a:p>
-            <a:r>
-              <a:rPr lang="en-US" b="1" dirty="0"/>
-              <a:t>Special Add-ons to our Project…</a:t>
-            </a:r>
-          </a:p>
-        </p:txBody>
-      </p:sp>
-      <p:sp>
-        <p:nvSpPr>
-          <p:cNvPr id="3" name="Content Placeholder 2">
-            <a:extLst>
-              <a:ext uri="{FF2B5EF4-FFF2-40B4-BE49-F238E27FC236}">
-                <a16:creationId xmlns:a16="http://schemas.microsoft.com/office/drawing/2014/main" id="{602775FD-028A-486F-A027-C6E24BDEEE43}"/>
-              </a:ext>
-            </a:extLst>
-          </p:cNvPr>
-          <p:cNvSpPr>
-            <a:spLocks noGrp="1"/>
-          </p:cNvSpPr>
-          <p:nvPr>
-            <p:ph idx="1"/>
-          </p:nvPr>
-        </p:nvSpPr>
-        <p:spPr>
-          <a:xfrm>
-            <a:off x="677333" y="1350499"/>
-            <a:ext cx="10984783" cy="4690864"/>
-          </a:xfrm>
-        </p:spPr>
-        <p:txBody>
-          <a:bodyPr>
-            <a:normAutofit fontScale="92500" lnSpcReduction="10000"/>
-          </a:bodyPr>
-          <a:lstStyle/>
-          <a:p>
-            <a:r>
-              <a:rPr lang="en-US" sz="2500" dirty="0"/>
-              <a:t>Used </a:t>
-            </a:r>
-            <a:r>
-              <a:rPr lang="en-US" sz="2500" b="1" dirty="0"/>
-              <a:t>Camel-Case Naming convention </a:t>
-            </a:r>
-            <a:r>
-              <a:rPr lang="en-US" sz="2500" dirty="0"/>
-              <a:t>and Proper Comments to improve readability.</a:t>
-            </a:r>
-          </a:p>
-          <a:p>
-            <a:r>
-              <a:rPr lang="en-US" sz="2500" dirty="0"/>
-              <a:t>Used JS Executors at situations were selenium codes had chances of errors.</a:t>
-            </a:r>
-            <a:endParaRPr lang="en-US" sz="2500" b="1" dirty="0"/>
-          </a:p>
-          <a:p>
-            <a:r>
-              <a:rPr lang="en-US" sz="2500" b="1" dirty="0"/>
-              <a:t>No static Sleep Statements </a:t>
-            </a:r>
-            <a:r>
-              <a:rPr lang="en-US" sz="2500" dirty="0"/>
-              <a:t>and handled all delays with dynamic </a:t>
-            </a:r>
-            <a:r>
-              <a:rPr lang="en-US" sz="2500" b="1" dirty="0"/>
-              <a:t>waits(Implicit , Explicit).</a:t>
-            </a:r>
-          </a:p>
-          <a:p>
-            <a:r>
-              <a:rPr lang="en-US" sz="2500" dirty="0"/>
-              <a:t>Used</a:t>
-            </a:r>
-            <a:r>
-              <a:rPr lang="en-US" sz="2500" b="1" dirty="0"/>
-              <a:t> Maven for dependency management </a:t>
-            </a:r>
-            <a:r>
-              <a:rPr lang="en-US" sz="2500" dirty="0"/>
-              <a:t>by not adding any external jars manually.</a:t>
-            </a:r>
-          </a:p>
-          <a:p>
-            <a:r>
-              <a:rPr lang="en-US" sz="2500" dirty="0"/>
-              <a:t>We have</a:t>
-            </a:r>
-            <a:r>
-              <a:rPr lang="en-US" sz="2500" b="1" dirty="0"/>
-              <a:t> additionally </a:t>
-            </a:r>
-            <a:r>
-              <a:rPr lang="en-US" sz="2500" dirty="0"/>
-              <a:t>tested the functionality of </a:t>
-            </a:r>
-            <a:r>
-              <a:rPr lang="en-US" sz="2500" b="1" dirty="0"/>
-              <a:t>flight booking </a:t>
-            </a:r>
-            <a:r>
-              <a:rPr lang="en-US" sz="2500" dirty="0"/>
-              <a:t>along with the given cab, hotel and gift card pages.</a:t>
-            </a:r>
-          </a:p>
-          <a:p>
-            <a:r>
-              <a:rPr lang="en-US" sz="2500" dirty="0"/>
-              <a:t>Used </a:t>
-            </a:r>
-            <a:r>
-              <a:rPr lang="en-US" sz="2500" b="1" dirty="0"/>
-              <a:t>property files</a:t>
-            </a:r>
-            <a:r>
-              <a:rPr lang="en-US" sz="2500" dirty="0"/>
-              <a:t> for login and browser selection(as instructed) and </a:t>
-            </a:r>
-            <a:r>
-              <a:rPr lang="en-US" sz="2500" b="1" dirty="0"/>
-              <a:t>excel sheet</a:t>
-            </a:r>
-            <a:r>
-              <a:rPr lang="en-US" sz="2500" dirty="0"/>
-              <a:t> to import other data.</a:t>
-            </a:r>
-          </a:p>
-          <a:p>
-            <a:pPr marL="0" indent="0">
-              <a:buNone/>
-            </a:pPr>
-            <a:endParaRPr lang="en-US" sz="2500" dirty="0"/>
-          </a:p>
-          <a:p>
-            <a:endParaRPr lang="en-US" dirty="0"/>
-          </a:p>
-        </p:txBody>
-      </p:sp>
-    </p:spTree>
-    <p:extLst>
-      <p:ext uri="{BB962C8B-B14F-4D97-AF65-F5344CB8AC3E}">
-        <p14:creationId xmlns:p14="http://schemas.microsoft.com/office/powerpoint/2010/main" val="3935313570"/>
-      </p:ext>
-    </p:extLst>
-  </p:cSld>
-  <p:clrMapOvr>
-    <a:masterClrMapping/>
-  </p:clrMapOvr>
-</p:sld>
-</file>
-
 <file path=ppt/slides/slide9.xml><?xml version="1.0" encoding="utf-8"?>
 <p:sld xmlns:a="http://schemas.openxmlformats.org/drawingml/2006/main" xmlns:r="http://schemas.openxmlformats.org/officeDocument/2006/relationships" xmlns:p="http://schemas.openxmlformats.org/presentationml/2006/main">
   <p:cSld>
@@ -10248,7 +10685,7 @@
           <p:cNvPr id="2" name="Title 1">
             <a:extLst>
               <a:ext uri="{FF2B5EF4-FFF2-40B4-BE49-F238E27FC236}">
-                <a16:creationId xmlns:a16="http://schemas.microsoft.com/office/drawing/2014/main" id="{CA1352B8-261C-41F8-942C-C51EEAA17D5F}"/>
+                <a16:creationId xmlns:a16="http://schemas.microsoft.com/office/drawing/2014/main" id="{9F341D09-23E1-4034-BE27-9DE48AB017B8}"/>
               </a:ext>
             </a:extLst>
           </p:cNvPr>
@@ -10261,8 +10698,8 @@
         </p:nvSpPr>
         <p:spPr>
           <a:xfrm>
-            <a:off x="603907" y="115094"/>
-            <a:ext cx="9404723" cy="968119"/>
+            <a:off x="677334" y="286043"/>
+            <a:ext cx="8596668" cy="1320800"/>
           </a:xfrm>
         </p:spPr>
         <p:txBody>
@@ -10270,353 +10707,147 @@
           <a:lstStyle/>
           <a:p>
             <a:r>
-              <a:rPr lang="en-US" dirty="0"/>
-              <a:t>Overcoming the Challenges..</a:t>
-            </a:r>
-          </a:p>
-        </p:txBody>
-      </p:sp>
-      <p:graphicFrame>
-        <p:nvGraphicFramePr>
-          <p:cNvPr id="4" name="Table 4">
+              <a:rPr lang="en-US" b="1" dirty="0"/>
+              <a:t>Special Add-ons to our Project…</a:t>
+            </a:r>
+          </a:p>
+        </p:txBody>
+      </p:sp>
+      <p:sp>
+        <p:nvSpPr>
+          <p:cNvPr id="3" name="Content Placeholder 2">
             <a:extLst>
               <a:ext uri="{FF2B5EF4-FFF2-40B4-BE49-F238E27FC236}">
-                <a16:creationId xmlns:a16="http://schemas.microsoft.com/office/drawing/2014/main" id="{B361EF18-BDFD-47DC-AE6D-50808347596C}"/>
+                <a16:creationId xmlns:a16="http://schemas.microsoft.com/office/drawing/2014/main" id="{602775FD-028A-486F-A027-C6E24BDEEE43}"/>
               </a:ext>
             </a:extLst>
           </p:cNvPr>
-          <p:cNvGraphicFramePr>
-            <a:graphicFrameLocks noGrp="1"/>
-          </p:cNvGraphicFramePr>
+          <p:cNvSpPr>
+            <a:spLocks noGrp="1"/>
+          </p:cNvSpPr>
           <p:nvPr>
             <p:ph idx="1"/>
-            <p:extLst>
-              <p:ext uri="{D42A27DB-BD31-4B8C-83A1-F6EECF244321}">
-                <p14:modId xmlns:p14="http://schemas.microsoft.com/office/powerpoint/2010/main" val="1610631396"/>
-              </p:ext>
-            </p:extLst>
-          </p:nvPr>
-        </p:nvGraphicFramePr>
-        <p:xfrm>
-          <a:off x="914400" y="1209821"/>
-          <a:ext cx="10255348" cy="5379744"/>
-        </p:xfrm>
-        <a:graphic>
-          <a:graphicData uri="http://schemas.openxmlformats.org/drawingml/2006/table">
-            <a:tbl>
-              <a:tblPr firstRow="1" bandRow="1">
-                <a:tableStyleId>{5C22544A-7EE6-4342-B048-85BDC9FD1C3A}</a:tableStyleId>
-              </a:tblPr>
-              <a:tblGrid>
-                <a:gridCol w="4895557">
-                  <a:extLst>
-                    <a:ext uri="{9D8B030D-6E8A-4147-A177-3AD203B41FA5}">
-                      <a16:colId xmlns:a16="http://schemas.microsoft.com/office/drawing/2014/main" val="129026754"/>
-                    </a:ext>
-                  </a:extLst>
-                </a:gridCol>
-                <a:gridCol w="5359791">
-                  <a:extLst>
-                    <a:ext uri="{9D8B030D-6E8A-4147-A177-3AD203B41FA5}">
-                      <a16:colId xmlns:a16="http://schemas.microsoft.com/office/drawing/2014/main" val="1847451453"/>
-                    </a:ext>
-                  </a:extLst>
-                </a:gridCol>
-              </a:tblGrid>
-              <a:tr h="896624">
-                <a:tc>
-                  <a:txBody>
-                    <a:bodyPr/>
-                    <a:lstStyle/>
-                    <a:p>
-                      <a:pPr algn="ctr"/>
-                      <a:r>
-                        <a:rPr lang="en-US" sz="2400" dirty="0"/>
-                        <a:t>Challenges we faced</a:t>
-                      </a:r>
-                    </a:p>
-                  </a:txBody>
-                  <a:tcPr/>
-                </a:tc>
-                <a:tc>
-                  <a:txBody>
-                    <a:bodyPr/>
-                    <a:lstStyle/>
-                    <a:p>
-                      <a:pPr algn="ctr"/>
-                      <a:r>
-                        <a:rPr lang="en-US" sz="2400" dirty="0"/>
-                        <a:t>How we Overcame it !</a:t>
-                      </a:r>
-                    </a:p>
-                  </a:txBody>
-                  <a:tcPr/>
-                </a:tc>
-                <a:extLst>
-                  <a:ext uri="{0D108BD9-81ED-4DB2-BD59-A6C34878D82A}">
-                    <a16:rowId xmlns:a16="http://schemas.microsoft.com/office/drawing/2014/main" val="3172270574"/>
-                  </a:ext>
-                </a:extLst>
-              </a:tr>
-              <a:tr h="896624">
-                <a:tc>
-                  <a:txBody>
-                    <a:bodyPr/>
-                    <a:lstStyle/>
-                    <a:p>
-                      <a:pPr algn="l"/>
-                      <a:r>
-                        <a:rPr lang="en-US" b="1" dirty="0"/>
-                        <a:t>Element</a:t>
-                      </a:r>
-                      <a:r>
-                        <a:rPr lang="en-US" dirty="0"/>
-                        <a:t> </a:t>
-                      </a:r>
-                      <a:r>
-                        <a:rPr lang="en-US" b="1" dirty="0"/>
-                        <a:t>click intercepted </a:t>
-                      </a:r>
-                      <a:r>
-                        <a:rPr lang="en-US" dirty="0"/>
-                        <a:t>by other elements.</a:t>
-                      </a:r>
-                    </a:p>
-                  </a:txBody>
-                  <a:tcPr/>
-                </a:tc>
-                <a:tc>
-                  <a:txBody>
-                    <a:bodyPr/>
-                    <a:lstStyle/>
-                    <a:p>
-                      <a:pPr algn="l"/>
-                      <a:r>
-                        <a:rPr lang="en-US" dirty="0"/>
-                        <a:t>Using </a:t>
-                      </a:r>
-                      <a:r>
-                        <a:rPr lang="en-US" b="1" dirty="0"/>
-                        <a:t>Java Script Executors</a:t>
-                      </a:r>
-                    </a:p>
-                  </a:txBody>
-                  <a:tcPr/>
-                </a:tc>
-                <a:extLst>
-                  <a:ext uri="{0D108BD9-81ED-4DB2-BD59-A6C34878D82A}">
-                    <a16:rowId xmlns:a16="http://schemas.microsoft.com/office/drawing/2014/main" val="3448528876"/>
-                  </a:ext>
-                </a:extLst>
-              </a:tr>
-              <a:tr h="896624">
-                <a:tc>
-                  <a:txBody>
-                    <a:bodyPr/>
-                    <a:lstStyle/>
-                    <a:p>
-                      <a:pPr algn="l"/>
-                      <a:r>
-                        <a:rPr lang="en-US" dirty="0"/>
-                        <a:t>How to </a:t>
-                      </a:r>
-                      <a:r>
-                        <a:rPr lang="en-US" b="1" dirty="0"/>
-                        <a:t>wait</a:t>
-                      </a:r>
-                      <a:r>
-                        <a:rPr lang="en-US" dirty="0"/>
-                        <a:t> till the elements are accessible without using </a:t>
-                      </a:r>
-                      <a:r>
-                        <a:rPr lang="en-US" dirty="0" err="1"/>
-                        <a:t>Thread.sleep</a:t>
-                      </a:r>
-                      <a:r>
-                        <a:rPr lang="en-US" dirty="0"/>
-                        <a:t>()</a:t>
-                      </a:r>
-                    </a:p>
-                  </a:txBody>
-                  <a:tcPr/>
-                </a:tc>
-                <a:tc>
-                  <a:txBody>
-                    <a:bodyPr/>
-                    <a:lstStyle/>
-                    <a:p>
-                      <a:pPr algn="l"/>
-                      <a:r>
-                        <a:rPr lang="en-US" dirty="0"/>
-                        <a:t>Using </a:t>
-                      </a:r>
-                      <a:r>
-                        <a:rPr lang="en-US" b="1" dirty="0"/>
-                        <a:t>Explicit</a:t>
-                      </a:r>
-                      <a:r>
-                        <a:rPr lang="en-US" dirty="0"/>
-                        <a:t> and </a:t>
-                      </a:r>
-                      <a:r>
-                        <a:rPr lang="en-US" b="1" dirty="0"/>
-                        <a:t>Implicit wait</a:t>
-                      </a:r>
-                      <a:r>
-                        <a:rPr lang="en-US" dirty="0"/>
-                        <a:t> statements</a:t>
-                      </a:r>
-                    </a:p>
-                  </a:txBody>
-                  <a:tcPr/>
-                </a:tc>
-                <a:extLst>
-                  <a:ext uri="{0D108BD9-81ED-4DB2-BD59-A6C34878D82A}">
-                    <a16:rowId xmlns:a16="http://schemas.microsoft.com/office/drawing/2014/main" val="2109254801"/>
-                  </a:ext>
-                </a:extLst>
-              </a:tr>
-              <a:tr h="896624">
-                <a:tc>
-                  <a:txBody>
-                    <a:bodyPr/>
-                    <a:lstStyle/>
-                    <a:p>
-                      <a:pPr algn="l"/>
-                      <a:r>
-                        <a:rPr lang="en-US" dirty="0"/>
-                        <a:t>How to run a </a:t>
-                      </a:r>
-                      <a:r>
-                        <a:rPr lang="en-US" b="1" dirty="0"/>
-                        <a:t>Grid</a:t>
-                      </a:r>
-                      <a:r>
-                        <a:rPr lang="en-US" dirty="0"/>
-                        <a:t> without using another physical pc server</a:t>
-                      </a:r>
-                    </a:p>
-                  </a:txBody>
-                  <a:tcPr/>
-                </a:tc>
-                <a:tc>
-                  <a:txBody>
-                    <a:bodyPr/>
-                    <a:lstStyle/>
-                    <a:p>
-                      <a:pPr algn="l"/>
-                      <a:r>
-                        <a:rPr lang="en-US" dirty="0"/>
-                        <a:t>Using </a:t>
-                      </a:r>
-                      <a:r>
-                        <a:rPr lang="en-US" b="1" dirty="0"/>
-                        <a:t>Batch Files </a:t>
-                      </a:r>
-                      <a:r>
-                        <a:rPr lang="en-US" dirty="0"/>
-                        <a:t>to create </a:t>
-                      </a:r>
-                      <a:r>
-                        <a:rPr lang="en-US" b="1" dirty="0"/>
-                        <a:t>Hub </a:t>
-                      </a:r>
-                      <a:r>
-                        <a:rPr lang="en-US" b="0" dirty="0"/>
-                        <a:t>and</a:t>
-                      </a:r>
-                      <a:r>
-                        <a:rPr lang="en-US" b="1" dirty="0"/>
-                        <a:t> Node</a:t>
-                      </a:r>
-                    </a:p>
-                  </a:txBody>
-                  <a:tcPr/>
-                </a:tc>
-                <a:extLst>
-                  <a:ext uri="{0D108BD9-81ED-4DB2-BD59-A6C34878D82A}">
-                    <a16:rowId xmlns:a16="http://schemas.microsoft.com/office/drawing/2014/main" val="3289322239"/>
-                  </a:ext>
-                </a:extLst>
-              </a:tr>
-              <a:tr h="896624">
-                <a:tc>
-                  <a:txBody>
-                    <a:bodyPr/>
-                    <a:lstStyle/>
-                    <a:p>
-                      <a:pPr algn="l"/>
-                      <a:r>
-                        <a:rPr lang="en-US" dirty="0"/>
-                        <a:t>How to automatically update Test status in test report and defect log</a:t>
-                      </a:r>
-                    </a:p>
-                  </a:txBody>
-                  <a:tcPr/>
-                </a:tc>
-                <a:tc>
-                  <a:txBody>
-                    <a:bodyPr/>
-                    <a:lstStyle/>
-                    <a:p>
-                      <a:pPr algn="l"/>
-                      <a:r>
-                        <a:rPr lang="en-US" dirty="0"/>
-                        <a:t>Using apache-poi and V-look features.</a:t>
-                      </a:r>
-                    </a:p>
-                  </a:txBody>
-                  <a:tcPr/>
-                </a:tc>
-                <a:extLst>
-                  <a:ext uri="{0D108BD9-81ED-4DB2-BD59-A6C34878D82A}">
-                    <a16:rowId xmlns:a16="http://schemas.microsoft.com/office/drawing/2014/main" val="1233356632"/>
-                  </a:ext>
-                </a:extLst>
-              </a:tr>
-              <a:tr h="896624">
-                <a:tc>
-                  <a:txBody>
-                    <a:bodyPr/>
-                    <a:lstStyle/>
-                    <a:p>
-                      <a:pPr algn="l"/>
-                      <a:r>
-                        <a:rPr lang="en-US" dirty="0"/>
-                        <a:t>How to make our project user-friendly</a:t>
-                      </a:r>
-                    </a:p>
-                  </a:txBody>
-                  <a:tcPr/>
-                </a:tc>
-                <a:tc>
-                  <a:txBody>
-                    <a:bodyPr/>
-                    <a:lstStyle/>
-                    <a:p>
-                      <a:pPr algn="l"/>
-                      <a:r>
-                        <a:rPr lang="en-US" dirty="0"/>
-                        <a:t>Use our readme.txt to Execute the test and Extent Report to understand the Test Results.</a:t>
-                      </a:r>
-                    </a:p>
-                  </a:txBody>
-                  <a:tcPr/>
-                </a:tc>
-                <a:extLst>
-                  <a:ext uri="{0D108BD9-81ED-4DB2-BD59-A6C34878D82A}">
-                    <a16:rowId xmlns:a16="http://schemas.microsoft.com/office/drawing/2014/main" val="3156725722"/>
-                  </a:ext>
-                </a:extLst>
-              </a:tr>
-            </a:tbl>
-          </a:graphicData>
-        </a:graphic>
-      </p:graphicFrame>
+          </p:nvPr>
+        </p:nvSpPr>
+        <p:spPr>
+          <a:xfrm>
+            <a:off x="677333" y="1350499"/>
+            <a:ext cx="10984783" cy="4690864"/>
+          </a:xfrm>
+        </p:spPr>
+        <p:txBody>
+          <a:bodyPr>
+            <a:normAutofit fontScale="92500" lnSpcReduction="10000"/>
+          </a:bodyPr>
+          <a:lstStyle/>
+          <a:p>
+            <a:r>
+              <a:rPr lang="en-US" sz="2500" dirty="0"/>
+              <a:t>Used </a:t>
+            </a:r>
+            <a:r>
+              <a:rPr lang="en-US" sz="2500" b="1" dirty="0"/>
+              <a:t>Camel-Case Naming convention </a:t>
+            </a:r>
+            <a:r>
+              <a:rPr lang="en-US" sz="2500" dirty="0"/>
+              <a:t>and Proper Comments to improve readability.</a:t>
+            </a:r>
+          </a:p>
+          <a:p>
+            <a:r>
+              <a:rPr lang="en-US" sz="2500" dirty="0"/>
+              <a:t>Used JS Executors at situations were selenium codes had chances of errors.</a:t>
+            </a:r>
+            <a:endParaRPr lang="en-US" sz="2500" b="1" dirty="0"/>
+          </a:p>
+          <a:p>
+            <a:r>
+              <a:rPr lang="en-US" sz="2500" b="1" dirty="0"/>
+              <a:t>No static Sleep Statements </a:t>
+            </a:r>
+            <a:r>
+              <a:rPr lang="en-US" sz="2500" dirty="0"/>
+              <a:t>and handled all delays with dynamic </a:t>
+            </a:r>
+            <a:r>
+              <a:rPr lang="en-US" sz="2500" b="1" dirty="0"/>
+              <a:t>waits(Implicit , Explicit).</a:t>
+            </a:r>
+          </a:p>
+          <a:p>
+            <a:r>
+              <a:rPr lang="en-US" sz="2500" dirty="0"/>
+              <a:t>Used</a:t>
+            </a:r>
+            <a:r>
+              <a:rPr lang="en-US" sz="2500" b="1" dirty="0"/>
+              <a:t> Maven for dependency management </a:t>
+            </a:r>
+            <a:r>
+              <a:rPr lang="en-US" sz="2500" dirty="0"/>
+              <a:t>by not adding any external jars manually.</a:t>
+            </a:r>
+          </a:p>
+          <a:p>
+            <a:r>
+              <a:rPr lang="en-US" sz="2500" dirty="0"/>
+              <a:t>We have</a:t>
+            </a:r>
+            <a:r>
+              <a:rPr lang="en-US" sz="2500" b="1" dirty="0"/>
+              <a:t> additionally </a:t>
+            </a:r>
+            <a:r>
+              <a:rPr lang="en-US" sz="2500" dirty="0"/>
+              <a:t>tested the functionality of </a:t>
+            </a:r>
+            <a:r>
+              <a:rPr lang="en-US" sz="2500" b="1" dirty="0"/>
+              <a:t>flight booking </a:t>
+            </a:r>
+            <a:r>
+              <a:rPr lang="en-US" sz="2500" dirty="0"/>
+              <a:t>along with the given cab, hotel and gift card pages.</a:t>
+            </a:r>
+          </a:p>
+          <a:p>
+            <a:r>
+              <a:rPr lang="en-US" sz="2500" dirty="0"/>
+              <a:t>Used </a:t>
+            </a:r>
+            <a:r>
+              <a:rPr lang="en-US" sz="2500" b="1" dirty="0"/>
+              <a:t>property files</a:t>
+            </a:r>
+            <a:r>
+              <a:rPr lang="en-US" sz="2500" dirty="0"/>
+              <a:t> for login and browser selection(as instructed) and </a:t>
+            </a:r>
+            <a:r>
+              <a:rPr lang="en-US" sz="2500" b="1" dirty="0"/>
+              <a:t>excel sheet</a:t>
+            </a:r>
+            <a:r>
+              <a:rPr lang="en-US" sz="2500" dirty="0"/>
+              <a:t> to import other data.</a:t>
+            </a:r>
+          </a:p>
+          <a:p>
+            <a:pPr marL="0" indent="0">
+              <a:buNone/>
+            </a:pPr>
+            <a:endParaRPr lang="en-US" sz="2500" dirty="0"/>
+          </a:p>
+          <a:p>
+            <a:endParaRPr lang="en-US" dirty="0"/>
+          </a:p>
+        </p:txBody>
+      </p:sp>
     </p:spTree>
     <p:extLst>
       <p:ext uri="{BB962C8B-B14F-4D97-AF65-F5344CB8AC3E}">
-        <p14:creationId xmlns:p14="http://schemas.microsoft.com/office/powerpoint/2010/main" val="3008787108"/>
+        <p14:creationId xmlns:p14="http://schemas.microsoft.com/office/powerpoint/2010/main" val="3935313570"/>
       </p:ext>
     </p:extLst>
   </p:cSld>
